--- a/knime/knime.pptx
+++ b/knime/knime.pptx
@@ -6,10 +6,10 @@
     <p:sldMasterId id="2147483730" r:id="rId5"/>
   </p:sldMasterIdLst>
   <p:notesMasterIdLst>
-    <p:notesMasterId r:id="rId14"/>
+    <p:notesMasterId r:id="rId13"/>
   </p:notesMasterIdLst>
   <p:handoutMasterIdLst>
-    <p:handoutMasterId r:id="rId15"/>
+    <p:handoutMasterId r:id="rId14"/>
   </p:handoutMasterIdLst>
   <p:sldIdLst>
     <p:sldId id="669" r:id="rId6"/>
@@ -19,7 +19,6 @@
     <p:sldId id="674" r:id="rId10"/>
     <p:sldId id="670" r:id="rId11"/>
     <p:sldId id="675" r:id="rId12"/>
-    <p:sldId id="676" r:id="rId13"/>
   </p:sldIdLst>
   <p:sldSz cx="12192000" cy="6858000"/>
   <p:notesSz cx="6858000" cy="9144000"/>
@@ -321,7 +320,7 @@
           <a:p>
             <a:fld id="{7F5E9BF7-95E4-A242-BA1D-05FDCF603BE6}" type="datetime1">
               <a:rPr lang="en-US" smtClean="0"/>
-              <a:t>10/18/2020</a:t>
+              <a:t>11/4/2020</a:t>
             </a:fld>
             <a:endParaRPr lang="en-US" dirty="0"/>
           </a:p>
@@ -487,7 +486,7 @@
           <a:p>
             <a:fld id="{165DBCB1-0306-AD41-9452-11E7C08D5C04}" type="datetime1">
               <a:rPr lang="en-US" smtClean="0"/>
-              <a:t>10/18/2020</a:t>
+              <a:t>11/4/2020</a:t>
             </a:fld>
             <a:endParaRPr lang="en-US" dirty="0"/>
           </a:p>
@@ -1571,6 +1570,90 @@
     <p:extLst>
       <p:ext uri="{BB962C8B-B14F-4D97-AF65-F5344CB8AC3E}">
         <p14:creationId xmlns:p14="http://schemas.microsoft.com/office/powerpoint/2010/main" val="2747352841"/>
+      </p:ext>
+    </p:extLst>
+  </p:cSld>
+  <p:clrMapOvr>
+    <a:masterClrMapping/>
+  </p:clrMapOvr>
+</p:notes>
+</file>
+
+<file path=ppt/notesSlides/notesSlide7.xml><?xml version="1.0" encoding="utf-8"?>
+<p:notes xmlns:a="http://schemas.openxmlformats.org/drawingml/2006/main" xmlns:r="http://schemas.openxmlformats.org/officeDocument/2006/relationships" xmlns:p="http://schemas.openxmlformats.org/presentationml/2006/main">
+  <p:cSld>
+    <p:spTree>
+      <p:nvGrpSpPr>
+        <p:cNvPr id="1" name=""/>
+        <p:cNvGrpSpPr/>
+        <p:nvPr/>
+      </p:nvGrpSpPr>
+      <p:grpSpPr>
+        <a:xfrm>
+          <a:off x="0" y="0"/>
+          <a:ext cx="0" cy="0"/>
+          <a:chOff x="0" y="0"/>
+          <a:chExt cx="0" cy="0"/>
+        </a:xfrm>
+      </p:grpSpPr>
+      <p:sp>
+        <p:nvSpPr>
+          <p:cNvPr id="2" name="Slide Image Placeholder 1"/>
+          <p:cNvSpPr>
+            <a:spLocks noGrp="1" noRot="1" noChangeAspect="1"/>
+          </p:cNvSpPr>
+          <p:nvPr>
+            <p:ph type="sldImg"/>
+          </p:nvPr>
+        </p:nvSpPr>
+        <p:spPr/>
+      </p:sp>
+      <p:sp>
+        <p:nvSpPr>
+          <p:cNvPr id="3" name="Notes Placeholder 2"/>
+          <p:cNvSpPr>
+            <a:spLocks noGrp="1"/>
+          </p:cNvSpPr>
+          <p:nvPr>
+            <p:ph type="body" idx="1"/>
+          </p:nvPr>
+        </p:nvSpPr>
+        <p:spPr/>
+        <p:txBody>
+          <a:bodyPr/>
+          <a:lstStyle/>
+          <a:p>
+            <a:endParaRPr lang="en-US" dirty="0"/>
+          </a:p>
+        </p:txBody>
+      </p:sp>
+      <p:sp>
+        <p:nvSpPr>
+          <p:cNvPr id="4" name="Slide Number Placeholder 3"/>
+          <p:cNvSpPr>
+            <a:spLocks noGrp="1"/>
+          </p:cNvSpPr>
+          <p:nvPr>
+            <p:ph type="sldNum" sz="quarter" idx="5"/>
+          </p:nvPr>
+        </p:nvSpPr>
+        <p:spPr/>
+        <p:txBody>
+          <a:bodyPr/>
+          <a:lstStyle/>
+          <a:p>
+            <a:fld id="{7AE90029-A909-AD4E-9775-A0D64990AD22}" type="slidenum">
+              <a:rPr lang="en-US" smtClean="0"/>
+              <a:t>7</a:t>
+            </a:fld>
+            <a:endParaRPr lang="en-US" dirty="0"/>
+          </a:p>
+        </p:txBody>
+      </p:sp>
+    </p:spTree>
+    <p:extLst>
+      <p:ext uri="{BB962C8B-B14F-4D97-AF65-F5344CB8AC3E}">
+        <p14:creationId xmlns:p14="http://schemas.microsoft.com/office/powerpoint/2010/main" val="2519583909"/>
       </p:ext>
     </p:extLst>
   </p:cSld>
@@ -14261,10 +14344,10 @@
       </p:grpSpPr>
       <p:pic>
         <p:nvPicPr>
-          <p:cNvPr id="4" name="Graphic 3">
+          <p:cNvPr id="3" name="Picture 2">
             <a:extLst>
               <a:ext uri="{FF2B5EF4-FFF2-40B4-BE49-F238E27FC236}">
-                <a16:creationId xmlns:a16="http://schemas.microsoft.com/office/drawing/2014/main" id="{65ECF514-970F-4E43-8DC6-979A0C4C7878}"/>
+                <a16:creationId xmlns:a16="http://schemas.microsoft.com/office/drawing/2014/main" id="{0ED835BC-86EC-4F7E-9224-3BDCE5C3A200}"/>
               </a:ext>
             </a:extLst>
           </p:cNvPr>
@@ -14274,21 +14357,15 @@
           <p:nvPr/>
         </p:nvPicPr>
         <p:blipFill>
-          <a:blip r:embed="rId2">
-            <a:extLst>
-              <a:ext uri="{96DAC541-7B7A-43D3-8B79-37D633B846F1}">
-                <asvg:svgBlip xmlns:asvg="http://schemas.microsoft.com/office/drawing/2016/SVG/main" r:embed="rId3"/>
-              </a:ext>
-            </a:extLst>
-          </a:blip>
+          <a:blip r:embed="rId3"/>
           <a:stretch>
             <a:fillRect/>
           </a:stretch>
         </p:blipFill>
         <p:spPr>
           <a:xfrm>
-            <a:off x="33337" y="90487"/>
-            <a:ext cx="12125325" cy="6677025"/>
+            <a:off x="0" y="312645"/>
+            <a:ext cx="12192000" cy="6232709"/>
           </a:xfrm>
           <a:prstGeom prst="rect">
             <a:avLst/>
@@ -14299,93 +14376,6 @@
     <p:extLst>
       <p:ext uri="{BB962C8B-B14F-4D97-AF65-F5344CB8AC3E}">
         <p14:creationId xmlns:p14="http://schemas.microsoft.com/office/powerpoint/2010/main" val="1514796394"/>
-      </p:ext>
-    </p:extLst>
-  </p:cSld>
-  <p:clrMapOvr>
-    <a:masterClrMapping/>
-  </p:clrMapOvr>
-</p:sld>
-</file>
-
-<file path=ppt/slides/slide8.xml><?xml version="1.0" encoding="utf-8"?>
-<p:sld xmlns:a="http://schemas.openxmlformats.org/drawingml/2006/main" xmlns:r="http://schemas.openxmlformats.org/officeDocument/2006/relationships" xmlns:p="http://schemas.openxmlformats.org/presentationml/2006/main">
-  <p:cSld>
-    <p:spTree>
-      <p:nvGrpSpPr>
-        <p:cNvPr id="1" name=""/>
-        <p:cNvGrpSpPr/>
-        <p:nvPr/>
-      </p:nvGrpSpPr>
-      <p:grpSpPr>
-        <a:xfrm>
-          <a:off x="0" y="0"/>
-          <a:ext cx="0" cy="0"/>
-          <a:chOff x="0" y="0"/>
-          <a:chExt cx="0" cy="0"/>
-        </a:xfrm>
-      </p:grpSpPr>
-      <p:sp>
-        <p:nvSpPr>
-          <p:cNvPr id="2" name="Text Placeholder 1">
-            <a:extLst>
-              <a:ext uri="{FF2B5EF4-FFF2-40B4-BE49-F238E27FC236}">
-                <a16:creationId xmlns:a16="http://schemas.microsoft.com/office/drawing/2014/main" id="{0C3CCAF2-2EED-4066-8A7C-D2C4BB756266}"/>
-              </a:ext>
-            </a:extLst>
-          </p:cNvPr>
-          <p:cNvSpPr>
-            <a:spLocks noGrp="1"/>
-          </p:cNvSpPr>
-          <p:nvPr>
-            <p:ph type="body" sz="quarter" idx="11"/>
-          </p:nvPr>
-        </p:nvSpPr>
-        <p:spPr/>
-        <p:txBody>
-          <a:bodyPr/>
-          <a:lstStyle/>
-          <a:p>
-            <a:r>
-              <a:rPr lang="en-US" dirty="0"/>
-              <a:t>NUMBER OF DAMAGES PER WINDSPEED BUCKET</a:t>
-            </a:r>
-          </a:p>
-        </p:txBody>
-      </p:sp>
-      <p:pic>
-        <p:nvPicPr>
-          <p:cNvPr id="4" name="Picture 3">
-            <a:extLst>
-              <a:ext uri="{FF2B5EF4-FFF2-40B4-BE49-F238E27FC236}">
-                <a16:creationId xmlns:a16="http://schemas.microsoft.com/office/drawing/2014/main" id="{014D01B0-50E5-4706-8C22-B4262FD3EFEC}"/>
-              </a:ext>
-            </a:extLst>
-          </p:cNvPr>
-          <p:cNvPicPr>
-            <a:picLocks noChangeAspect="1"/>
-          </p:cNvPicPr>
-          <p:nvPr/>
-        </p:nvPicPr>
-        <p:blipFill rotWithShape="1">
-          <a:blip r:embed="rId2"/>
-          <a:srcRect t="4265"/>
-          <a:stretch/>
-        </p:blipFill>
-        <p:spPr>
-          <a:xfrm>
-            <a:off x="1677619" y="1273630"/>
-            <a:ext cx="8141294" cy="5358049"/>
-          </a:xfrm>
-          <a:prstGeom prst="rect">
-            <a:avLst/>
-          </a:prstGeom>
-        </p:spPr>
-      </p:pic>
-    </p:spTree>
-    <p:extLst>
-      <p:ext uri="{BB962C8B-B14F-4D97-AF65-F5344CB8AC3E}">
-        <p14:creationId xmlns:p14="http://schemas.microsoft.com/office/powerpoint/2010/main" val="254644359"/>
       </p:ext>
     </p:extLst>
   </p:cSld>
@@ -15653,15 +15643,6 @@
 </file>
 
 <file path=customXml/item2.xml><?xml version="1.0" encoding="utf-8"?>
-<?mso-contentType ?>
-<FormTemplates xmlns="http://schemas.microsoft.com/sharepoint/v3/contenttype/forms">
-  <Display>DocumentLibraryForm</Display>
-  <Edit>DocumentLibraryForm</Edit>
-  <New>DocumentLibraryForm</New>
-</FormTemplates>
-</file>
-
-<file path=customXml/item3.xml><?xml version="1.0" encoding="utf-8"?>
 <ct:contentTypeSchema xmlns:ct="http://schemas.microsoft.com/office/2006/metadata/contentType" xmlns:ma="http://schemas.microsoft.com/office/2006/metadata/properties/metaAttributes" ct:_="" ma:_="" ma:contentTypeName="Document" ma:contentTypeID="0x010100B0E9A4A7D20EA84CAA39F80EA2A19865" ma:contentTypeVersion="1" ma:contentTypeDescription="Create a new document." ma:contentTypeScope="" ma:versionID="4ed0c655cf5595f31b06ef1418ca28bf">
   <xsd:schema xmlns:xsd="http://www.w3.org/2001/XMLSchema" xmlns:xs="http://www.w3.org/2001/XMLSchema" xmlns:p="http://schemas.microsoft.com/office/2006/metadata/properties" xmlns:ns1="http://schemas.microsoft.com/sharepoint/v3" targetNamespace="http://schemas.microsoft.com/office/2006/metadata/properties" ma:root="true" ma:fieldsID="4dcce58c87e9fcebab8021569449a8d0" ns1:_="">
     <xsd:import namespace="http://schemas.microsoft.com/sharepoint/v3"/>
@@ -15793,6 +15774,15 @@
 </ct:contentTypeSchema>
 </file>
 
+<file path=customXml/item3.xml><?xml version="1.0" encoding="utf-8"?>
+<?mso-contentType ?>
+<FormTemplates xmlns="http://schemas.microsoft.com/sharepoint/v3/contenttype/forms">
+  <Display>DocumentLibraryForm</Display>
+  <Edit>DocumentLibraryForm</Edit>
+  <New>DocumentLibraryForm</New>
+</FormTemplates>
+</file>
+
 <file path=customXml/itemProps1.xml><?xml version="1.0" encoding="utf-8"?>
 <ds:datastoreItem xmlns:ds="http://schemas.openxmlformats.org/officeDocument/2006/customXml" ds:itemID="{D5E3C081-4081-47AD-A9A6-9F18F525DA1D}">
   <ds:schemaRefs>
@@ -15810,14 +15800,6 @@
 </file>
 
 <file path=customXml/itemProps2.xml><?xml version="1.0" encoding="utf-8"?>
-<ds:datastoreItem xmlns:ds="http://schemas.openxmlformats.org/officeDocument/2006/customXml" ds:itemID="{14883F0F-DE57-4ECA-B9BB-F22E8C5B5D82}">
-  <ds:schemaRefs>
-    <ds:schemaRef ds:uri="http://schemas.microsoft.com/sharepoint/v3/contenttype/forms"/>
-  </ds:schemaRefs>
-</ds:datastoreItem>
-</file>
-
-<file path=customXml/itemProps3.xml><?xml version="1.0" encoding="utf-8"?>
 <ds:datastoreItem xmlns:ds="http://schemas.openxmlformats.org/officeDocument/2006/customXml" ds:itemID="{C3A1A37E-F8E3-427A-BCE9-B1DDB8B96CDF}">
   <ds:schemaRefs>
     <ds:schemaRef ds:uri="http://schemas.microsoft.com/office/2006/metadata/contentType"/>
@@ -15833,4 +15815,12 @@
     <ds:schemaRef ds:uri="http://schemas.microsoft.com/internal/obd"/>
   </ds:schemaRefs>
 </ds:datastoreItem>
+</file>
+
+<file path=customXml/itemProps3.xml><?xml version="1.0" encoding="utf-8"?>
+<ds:datastoreItem xmlns:ds="http://schemas.openxmlformats.org/officeDocument/2006/customXml" ds:itemID="{14883F0F-DE57-4ECA-B9BB-F22E8C5B5D82}">
+  <ds:schemaRefs>
+    <ds:schemaRef ds:uri="http://schemas.microsoft.com/sharepoint/v3/contenttype/forms"/>
+  </ds:schemaRefs>
+</ds:datastoreItem>
 </file>